--- a/SOLID PROGRAMLAMA.pptx
+++ b/SOLID PROGRAMLAMA.pptx
@@ -6625,8 +6625,28 @@
           <a:lstStyle/>
           <a:p>
             <a:r>
-              <a:rPr lang="en-US" dirty="0" err="1"/>
-              <a:t>Bagimliligi</a:t>
+              <a:rPr lang="en-US" dirty="0"/>
+              <a:t>Ba</a:t>
+            </a:r>
+            <a:r>
+              <a:rPr lang="tr-TR" dirty="0" err="1"/>
+              <a:t>ğı</a:t>
+            </a:r>
+            <a:r>
+              <a:rPr lang="en-US" dirty="0"/>
+              <a:t>ml</a:t>
+            </a:r>
+            <a:r>
+              <a:rPr lang="tr-TR" dirty="0"/>
+              <a:t>ı</a:t>
+            </a:r>
+            <a:r>
+              <a:rPr lang="en-US" dirty="0"/>
+              <a:t>l</a:t>
+            </a:r>
+            <a:r>
+              <a:rPr lang="tr-TR" dirty="0" err="1"/>
+              <a:t>ığı</a:t>
             </a:r>
             <a:r>
               <a:rPr lang="en-US" dirty="0"/>
@@ -6641,8 +6661,12 @@
               <a:t> </a:t>
             </a:r>
             <a:r>
+              <a:rPr lang="tr-TR" dirty="0"/>
+              <a:t>ç</a:t>
+            </a:r>
+            <a:r>
               <a:rPr lang="en-US" dirty="0" err="1"/>
-              <a:t>cevirme</a:t>
+              <a:t>evirme</a:t>
             </a:r>
             <a:r>
               <a:rPr lang="en-US" dirty="0"/>
@@ -6666,7 +6690,15 @@
             </a:r>
             <a:r>
               <a:rPr lang="en-US" dirty="0" err="1"/>
-              <a:t>bilnir</a:t>
+              <a:t>bil</a:t>
+            </a:r>
+            <a:r>
+              <a:rPr lang="tr-TR" dirty="0"/>
+              <a:t>i</a:t>
+            </a:r>
+            <a:r>
+              <a:rPr lang="en-US" dirty="0" err="1"/>
+              <a:t>nir</a:t>
             </a:r>
             <a:r>
               <a:rPr lang="en-US" dirty="0"/>
@@ -6681,8 +6713,12 @@
           </a:p>
           <a:p>
             <a:r>
+              <a:rPr lang="tr-TR" dirty="0"/>
+              <a:t>İ</a:t>
+            </a:r>
+            <a:r>
               <a:rPr lang="en-US" dirty="0" err="1"/>
-              <a:t>Iki</a:t>
+              <a:t>ki</a:t>
             </a:r>
             <a:r>
               <a:rPr lang="en-US" dirty="0"/>
@@ -6706,7 +6742,11 @@
             </a:r>
             <a:r>
               <a:rPr lang="en-US" dirty="0" err="1"/>
-              <a:t>kuralimiz</a:t>
+              <a:t>kura</a:t>
+            </a:r>
+            <a:r>
+              <a:rPr lang="tr-TR" dirty="0" err="1"/>
+              <a:t>lımız</a:t>
             </a:r>
             <a:r>
               <a:rPr lang="en-US" dirty="0"/>
@@ -6724,24 +6764,48 @@
               <a:buChar char="•"/>
             </a:pPr>
             <a:r>
+              <a:rPr lang="tr-TR" dirty="0"/>
+              <a:t>Ü</a:t>
+            </a:r>
+            <a:r>
               <a:rPr lang="en-US" dirty="0" err="1"/>
-              <a:t>Ust</a:t>
+              <a:t>st</a:t>
+            </a:r>
+            <a:r>
+              <a:rPr lang="en-US" dirty="0"/>
+              <a:t> s</a:t>
+            </a:r>
+            <a:r>
+              <a:rPr lang="tr-TR" dirty="0" err="1"/>
+              <a:t>ını</a:t>
+            </a:r>
+            <a:r>
+              <a:rPr lang="en-US" dirty="0" err="1"/>
+              <a:t>flar</a:t>
             </a:r>
             <a:r>
               <a:rPr lang="en-US" dirty="0"/>
               <a:t> </a:t>
             </a:r>
             <a:r>
+              <a:rPr lang="tr-TR" dirty="0"/>
+              <a:t>a</a:t>
+            </a:r>
+            <a:r>
               <a:rPr lang="en-US" dirty="0" err="1"/>
-              <a:t>siniflar</a:t>
-            </a:r>
-            <a:r>
-              <a:rPr lang="en-US" dirty="0"/>
-              <a:t> Alt </a:t>
+              <a:t>lt</a:t>
+            </a:r>
+            <a:r>
+              <a:rPr lang="en-US" dirty="0"/>
+              <a:t> </a:t>
+            </a:r>
+            <a:r>
+              <a:rPr lang="tr-TR" dirty="0"/>
+              <a:t>sınıf</a:t>
             </a:r>
             <a:r>
               <a:rPr lang="en-US" dirty="0" err="1"/>
-              <a:t>Siniflara</a:t>
+              <a:t>lara</a:t>
             </a:r>
             <a:r>
               <a:rPr lang="en-US" dirty="0"/>
@@ -6749,7 +6813,19 @@
             </a:r>
             <a:r>
               <a:rPr lang="en-US" dirty="0" err="1"/>
-              <a:t>bagli</a:t>
+              <a:t>ba</a:t>
+            </a:r>
+            <a:r>
+              <a:rPr lang="tr-TR" dirty="0"/>
+              <a:t>ğ</a:t>
+            </a:r>
+            <a:r>
+              <a:rPr lang="en-US" dirty="0"/>
+              <a:t>l</a:t>
+            </a:r>
+            <a:r>
+              <a:rPr lang="tr-TR" dirty="0"/>
+              <a:t>ı</a:t>
             </a:r>
             <a:r>
               <a:rPr lang="en-US" dirty="0"/>
@@ -6757,11 +6833,23 @@
             </a:r>
             <a:r>
               <a:rPr lang="en-US" dirty="0" err="1"/>
-              <a:t>olmamalidir</a:t>
-            </a:r>
-            <a:r>
-              <a:rPr lang="en-US" dirty="0"/>
-              <a:t>.</a:t>
+              <a:t>olmamal</a:t>
+            </a:r>
+            <a:r>
+              <a:rPr lang="tr-TR" dirty="0"/>
+              <a:t>ı</a:t>
+            </a:r>
+            <a:r>
+              <a:rPr lang="en-US" dirty="0"/>
+              <a:t>d</a:t>
+            </a:r>
+            <a:r>
+              <a:rPr lang="tr-TR" dirty="0"/>
+              <a:t>ı</a:t>
+            </a:r>
+            <a:r>
+              <a:rPr lang="en-US" dirty="0"/>
+              <a:t>r.</a:t>
             </a:r>
           </a:p>
           <a:p>
@@ -6779,15 +6867,15 @@
             </a:r>
             <a:r>
               <a:rPr lang="en-US" dirty="0"/>
-              <a:t> </a:t>
-            </a:r>
-            <a:r>
-              <a:rPr lang="en-US" dirty="0" err="1"/>
-              <a:t>degil</a:t>
-            </a:r>
-            <a:r>
-              <a:rPr lang="en-US" dirty="0"/>
-              <a:t> </a:t>
+              <a:t> de</a:t>
+            </a:r>
+            <a:r>
+              <a:rPr lang="tr-TR" dirty="0" err="1"/>
+              <a:t>ği</a:t>
+            </a:r>
+            <a:r>
+              <a:rPr lang="en-US" dirty="0"/>
+              <a:t>l </a:t>
             </a:r>
             <a:r>
               <a:rPr lang="en-US" dirty="0" err="1"/>
@@ -6799,7 +6887,19 @@
             </a:r>
             <a:r>
               <a:rPr lang="en-US" dirty="0" err="1"/>
-              <a:t>bagli</a:t>
+              <a:t>ba</a:t>
+            </a:r>
+            <a:r>
+              <a:rPr lang="tr-TR" dirty="0"/>
+              <a:t>ğ</a:t>
+            </a:r>
+            <a:r>
+              <a:rPr lang="en-US" dirty="0"/>
+              <a:t>l</a:t>
+            </a:r>
+            <a:r>
+              <a:rPr lang="tr-TR" dirty="0"/>
+              <a:t>ı</a:t>
             </a:r>
             <a:r>
               <a:rPr lang="en-US" dirty="0"/>
@@ -6807,11 +6907,23 @@
             </a:r>
             <a:r>
               <a:rPr lang="en-US" dirty="0" err="1"/>
-              <a:t>olmalidir</a:t>
-            </a:r>
-            <a:r>
-              <a:rPr lang="en-US" dirty="0"/>
-              <a:t>.</a:t>
+              <a:t>olmal</a:t>
+            </a:r>
+            <a:r>
+              <a:rPr lang="tr-TR" dirty="0"/>
+              <a:t>ı</a:t>
+            </a:r>
+            <a:r>
+              <a:rPr lang="en-US" dirty="0"/>
+              <a:t>d</a:t>
+            </a:r>
+            <a:r>
+              <a:rPr lang="tr-TR" dirty="0"/>
+              <a:t>ı</a:t>
+            </a:r>
+            <a:r>
+              <a:rPr lang="en-US" dirty="0"/>
+              <a:t>r.</a:t>
             </a:r>
           </a:p>
           <a:p>
@@ -6834,8 +6946,12 @@
               <a:t> Singleton, Open/Closed, </a:t>
             </a:r>
             <a:r>
+              <a:rPr lang="tr-TR" dirty="0"/>
+              <a:t>L</a:t>
+            </a:r>
+            <a:r>
               <a:rPr lang="en-US" dirty="0" err="1"/>
-              <a:t>liskovs</a:t>
+              <a:t>iskov</a:t>
             </a:r>
             <a:r>
               <a:rPr lang="en-US" dirty="0"/>
@@ -6893,7 +7009,23 @@
           <a:p>
             <a:r>
               <a:rPr lang="en-US" dirty="0" err="1"/>
-              <a:t>Amaclarimizdan</a:t>
+              <a:t>Amaclar</a:t>
+            </a:r>
+            <a:r>
+              <a:rPr lang="tr-TR" dirty="0"/>
+              <a:t>ı</a:t>
+            </a:r>
+            <a:r>
+              <a:rPr lang="en-US" dirty="0"/>
+              <a:t>m</a:t>
+            </a:r>
+            <a:r>
+              <a:rPr lang="tr-TR" dirty="0"/>
+              <a:t>ı</a:t>
+            </a:r>
+            <a:r>
+              <a:rPr lang="en-US" dirty="0" err="1"/>
+              <a:t>zdan</a:t>
             </a:r>
             <a:r>
               <a:rPr lang="en-US" dirty="0"/>
@@ -6905,19 +7037,43 @@
             </a:r>
             <a:r>
               <a:rPr lang="en-US" dirty="0"/>
+              <a:t> class</a:t>
+            </a:r>
+            <a:r>
+              <a:rPr lang="tr-TR" dirty="0"/>
+              <a:t>ı</a:t>
+            </a:r>
+            <a:r>
+              <a:rPr lang="en-US" dirty="0"/>
+              <a:t>m</a:t>
+            </a:r>
+            <a:r>
+              <a:rPr lang="tr-TR" dirty="0"/>
+              <a:t>ı</a:t>
+            </a:r>
+            <a:r>
+              <a:rPr lang="en-US" dirty="0"/>
+              <a:t>z</a:t>
+            </a:r>
+            <a:r>
+              <a:rPr lang="tr-TR" dirty="0"/>
+              <a:t>ı</a:t>
+            </a:r>
+            <a:r>
+              <a:rPr lang="en-US" dirty="0"/>
               <a:t> </a:t>
             </a:r>
             <a:r>
               <a:rPr lang="en-US" dirty="0" err="1"/>
-              <a:t>classimizi</a:t>
-            </a:r>
-            <a:r>
-              <a:rPr lang="en-US" dirty="0"/>
-              <a:t> </a:t>
+              <a:t>olabildi</a:t>
+            </a:r>
+            <a:r>
+              <a:rPr lang="tr-TR" dirty="0" err="1"/>
+              <a:t>ği</a:t>
             </a:r>
             <a:r>
               <a:rPr lang="en-US" dirty="0" err="1"/>
-              <a:t>olabildigince</a:t>
+              <a:t>nce</a:t>
             </a:r>
             <a:r>
               <a:rPr lang="en-US" dirty="0"/>
@@ -6933,11 +7089,23 @@
             </a:r>
             <a:r>
               <a:rPr lang="en-US" dirty="0" err="1"/>
-              <a:t>bagimsiz</a:t>
-            </a:r>
-            <a:r>
-              <a:rPr lang="en-US" dirty="0"/>
-              <a:t> hale </a:t>
+              <a:t>ba</a:t>
+            </a:r>
+            <a:r>
+              <a:rPr lang="tr-TR" dirty="0" err="1"/>
+              <a:t>ğı</a:t>
+            </a:r>
+            <a:r>
+              <a:rPr lang="en-US" dirty="0" err="1"/>
+              <a:t>ms</a:t>
+            </a:r>
+            <a:r>
+              <a:rPr lang="tr-TR" dirty="0"/>
+              <a:t>ı</a:t>
+            </a:r>
+            <a:r>
+              <a:rPr lang="en-US" dirty="0"/>
+              <a:t>z hale </a:t>
             </a:r>
             <a:r>
               <a:rPr lang="en-US" dirty="0" err="1"/>
@@ -8950,7 +9118,19 @@
               <a:rPr lang="en-US" dirty="0" err="1">
                 <a:latin typeface="+mj-lt"/>
               </a:rPr>
-              <a:t>isi</a:t>
+              <a:t>i</a:t>
+            </a:r>
+            <a:r>
+              <a:rPr lang="tr-TR" dirty="0">
+                <a:latin typeface="+mj-lt"/>
+              </a:rPr>
+              <a:t>ş</a:t>
+            </a:r>
+            <a:r>
+              <a:rPr lang="en-US" dirty="0" err="1">
+                <a:latin typeface="+mj-lt"/>
+              </a:rPr>
+              <a:t>i</a:t>
             </a:r>
             <a:r>
               <a:rPr lang="en-US" dirty="0">
@@ -8962,7 +9142,13 @@
               <a:rPr lang="en-US" dirty="0" err="1">
                 <a:latin typeface="+mj-lt"/>
               </a:rPr>
-              <a:t>yapmali</a:t>
+              <a:t>yapmal</a:t>
+            </a:r>
+            <a:r>
+              <a:rPr lang="tr-TR" dirty="0">
+                <a:latin typeface="+mj-lt"/>
+              </a:rPr>
+              <a:t>ı</a:t>
             </a:r>
             <a:r>
               <a:rPr lang="en-US" dirty="0">
@@ -8984,10 +9170,10 @@
               <a:t>Bir </a:t>
             </a:r>
             <a:r>
-              <a:rPr lang="en-US" dirty="0" err="1">
+              <a:rPr lang="tr-TR" dirty="0">
                 <a:latin typeface="+mj-lt"/>
               </a:rPr>
-              <a:t>sinif</a:t>
+              <a:t>sınıf</a:t>
             </a:r>
             <a:r>
               <a:rPr lang="en-US" dirty="0">
@@ -9047,7 +9233,19 @@
               <a:rPr lang="en-US" dirty="0" err="1">
                 <a:latin typeface="+mj-lt"/>
               </a:rPr>
-              <a:t>isi</a:t>
+              <a:t>i</a:t>
+            </a:r>
+            <a:r>
+              <a:rPr lang="tr-TR" dirty="0">
+                <a:latin typeface="+mj-lt"/>
+              </a:rPr>
+              <a:t>ş</a:t>
+            </a:r>
+            <a:r>
+              <a:rPr lang="en-US" dirty="0" err="1">
+                <a:latin typeface="+mj-lt"/>
+              </a:rPr>
+              <a:t>i</a:t>
             </a:r>
             <a:endParaRPr lang="en-US" dirty="0">
               <a:latin typeface="+mj-lt"/>
@@ -11124,19 +11322,35 @@
             </a:r>
             <a:r>
               <a:rPr lang="en-US" dirty="0"/>
+              <a:t> de</a:t>
+            </a:r>
+            <a:r>
+              <a:rPr lang="tr-TR" dirty="0"/>
+              <a:t>ğ</a:t>
+            </a:r>
+            <a:r>
+              <a:rPr lang="en-US" dirty="0" err="1"/>
+              <a:t>i</a:t>
+            </a:r>
+            <a:r>
+              <a:rPr lang="tr-TR" dirty="0"/>
+              <a:t>ş</a:t>
+            </a:r>
+            <a:r>
+              <a:rPr lang="en-US" dirty="0" err="1"/>
+              <a:t>ime</a:t>
+            </a:r>
+            <a:r>
+              <a:rPr lang="en-US" dirty="0"/>
               <a:t> </a:t>
             </a:r>
             <a:r>
               <a:rPr lang="en-US" dirty="0" err="1"/>
-              <a:t>degisime</a:t>
-            </a:r>
-            <a:r>
-              <a:rPr lang="en-US" dirty="0"/>
-              <a:t> </a:t>
-            </a:r>
-            <a:r>
-              <a:rPr lang="en-US" dirty="0" err="1"/>
-              <a:t>kapali</a:t>
+              <a:t>kapal</a:t>
+            </a:r>
+            <a:r>
+              <a:rPr lang="tr-TR" dirty="0"/>
+              <a:t>ı</a:t>
             </a:r>
             <a:r>
               <a:rPr lang="en-US" dirty="0"/>
@@ -11152,15 +11366,27 @@
             </a:r>
             <a:r>
               <a:rPr lang="en-US" dirty="0" err="1"/>
-              <a:t>gelisime</a:t>
-            </a:r>
-            <a:r>
-              <a:rPr lang="en-US" dirty="0"/>
-              <a:t> </a:t>
+              <a:t>geli</a:t>
+            </a:r>
+            <a:r>
+              <a:rPr lang="tr-TR" dirty="0"/>
+              <a:t>ş</a:t>
             </a:r>
             <a:r>
               <a:rPr lang="en-US" dirty="0" err="1"/>
-              <a:t>acik</a:t>
+              <a:t>ime</a:t>
+            </a:r>
+            <a:r>
+              <a:rPr lang="en-US" dirty="0"/>
+              <a:t> a</a:t>
+            </a:r>
+            <a:r>
+              <a:rPr lang="tr-TR" dirty="0"/>
+              <a:t>ç</a:t>
+            </a:r>
+            <a:r>
+              <a:rPr lang="en-US" dirty="0" err="1"/>
+              <a:t>ik</a:t>
             </a:r>
             <a:r>
               <a:rPr lang="en-US" dirty="0"/>
@@ -11175,8 +11401,12 @@
               <a:t> </a:t>
             </a:r>
             <a:r>
+              <a:rPr lang="tr-TR" dirty="0"/>
+              <a:t>ş</a:t>
+            </a:r>
+            <a:r>
               <a:rPr lang="en-US" dirty="0" err="1"/>
-              <a:t>sekilde</a:t>
+              <a:t>ekilde</a:t>
             </a:r>
             <a:r>
               <a:rPr lang="en-US" dirty="0"/>
@@ -11184,11 +11414,15 @@
             </a:r>
             <a:r>
               <a:rPr lang="en-US" dirty="0" err="1"/>
-              <a:t>tasarlanir</a:t>
-            </a:r>
-            <a:r>
-              <a:rPr lang="en-US" dirty="0"/>
-              <a:t>.</a:t>
+              <a:t>tasarlan</a:t>
+            </a:r>
+            <a:r>
+              <a:rPr lang="tr-TR" dirty="0"/>
+              <a:t>ı</a:t>
+            </a:r>
+            <a:r>
+              <a:rPr lang="en-US" dirty="0"/>
+              <a:t>r.</a:t>
             </a:r>
           </a:p>
           <a:p>
@@ -11205,11 +11439,19 @@
             </a:r>
             <a:r>
               <a:rPr lang="en-US" dirty="0"/>
-              <a:t> </a:t>
-            </a:r>
-            <a:r>
-              <a:rPr lang="en-US" dirty="0" err="1"/>
-              <a:t>artisi</a:t>
+              <a:t> art</a:t>
+            </a:r>
+            <a:r>
+              <a:rPr lang="tr-TR" dirty="0"/>
+              <a:t>ı</a:t>
+            </a:r>
+            <a:r>
+              <a:rPr lang="en-US" dirty="0"/>
+              <a:t>s</a:t>
+            </a:r>
+            <a:r>
+              <a:rPr lang="tr-TR" dirty="0"/>
+              <a:t>ı</a:t>
             </a:r>
             <a:r>
               <a:rPr lang="en-US" dirty="0"/>
@@ -11265,11 +11507,15 @@
             </a:r>
             <a:r>
               <a:rPr lang="en-US" dirty="0" err="1"/>
-              <a:t>bozmayiz</a:t>
-            </a:r>
-            <a:r>
-              <a:rPr lang="en-US" dirty="0"/>
-              <a:t>.</a:t>
+              <a:t>bozmay</a:t>
+            </a:r>
+            <a:r>
+              <a:rPr lang="tr-TR" dirty="0"/>
+              <a:t>ı</a:t>
+            </a:r>
+            <a:r>
+              <a:rPr lang="en-US" dirty="0"/>
+              <a:t>z.</a:t>
             </a:r>
           </a:p>
           <a:p>
@@ -11290,11 +11536,11 @@
             </a:r>
             <a:r>
               <a:rPr lang="en-US" dirty="0"/>
-              <a:t> </a:t>
-            </a:r>
-            <a:r>
-              <a:rPr lang="en-US" dirty="0" err="1"/>
-              <a:t>donuk</a:t>
+              <a:t> d</a:t>
+            </a:r>
+            <a:r>
+              <a:rPr lang="tr-TR" dirty="0" err="1"/>
+              <a:t>önük</a:t>
             </a:r>
             <a:r>
               <a:rPr lang="en-US" dirty="0"/>
@@ -11310,7 +11556,11 @@
             </a:r>
             <a:r>
               <a:rPr lang="en-US" dirty="0" err="1"/>
-              <a:t>saglanmis</a:t>
+              <a:t>saglanm</a:t>
+            </a:r>
+            <a:r>
+              <a:rPr lang="tr-TR" dirty="0" err="1"/>
+              <a:t>ış</a:t>
             </a:r>
             <a:r>
               <a:rPr lang="en-US" dirty="0"/>
@@ -13320,7 +13570,11 @@
             </a:r>
             <a:r>
               <a:rPr lang="en-US" dirty="0" err="1"/>
-              <a:t>kullanilir</a:t>
+              <a:t>kullan</a:t>
+            </a:r>
+            <a:r>
+              <a:rPr lang="tr-TR" dirty="0"/>
+              <a:t>ılır</a:t>
             </a:r>
             <a:r>
               <a:rPr lang="en-US" dirty="0"/>
@@ -13344,7 +13598,11 @@
             </a:r>
             <a:r>
               <a:rPr lang="en-US" dirty="0" err="1"/>
-              <a:t>amac</a:t>
+              <a:t>ama</a:t>
+            </a:r>
+            <a:r>
+              <a:rPr lang="tr-TR" dirty="0"/>
+              <a:t>ç</a:t>
             </a:r>
             <a:r>
               <a:rPr lang="en-US" dirty="0"/>
@@ -13368,7 +13626,11 @@
             </a:r>
             <a:r>
               <a:rPr lang="en-US" dirty="0" err="1"/>
-              <a:t>cocuklari</a:t>
+              <a:t>cocuklar</a:t>
+            </a:r>
+            <a:r>
+              <a:rPr lang="tr-TR" dirty="0"/>
+              <a:t>ı</a:t>
             </a:r>
             <a:r>
               <a:rPr lang="en-US" dirty="0"/>
@@ -13388,19 +13650,27 @@
             </a:r>
             <a:r>
               <a:rPr lang="en-US" dirty="0"/>
-              <a:t> </a:t>
+              <a:t> de</a:t>
+            </a:r>
+            <a:r>
+              <a:rPr lang="tr-TR" dirty="0" err="1"/>
+              <a:t>ğiş</a:t>
             </a:r>
             <a:r>
               <a:rPr lang="en-US" dirty="0" err="1"/>
-              <a:t>degismeden</a:t>
-            </a:r>
-            <a:r>
-              <a:rPr lang="en-US" dirty="0"/>
-              <a:t> </a:t>
+              <a:t>meden</a:t>
+            </a:r>
+            <a:r>
+              <a:rPr lang="en-US" dirty="0"/>
+              <a:t> de</a:t>
+            </a:r>
+            <a:r>
+              <a:rPr lang="tr-TR" dirty="0" err="1"/>
+              <a:t>ğiş</a:t>
             </a:r>
             <a:r>
               <a:rPr lang="en-US" dirty="0" err="1"/>
-              <a:t>degistirebilmeli</a:t>
+              <a:t>tirebilmeli</a:t>
             </a:r>
             <a:r>
               <a:rPr lang="en-US" dirty="0"/>
@@ -13416,11 +13686,31 @@
             </a:r>
             <a:r>
               <a:rPr lang="en-US" dirty="0" err="1"/>
-              <a:t>karsilamalidir</a:t>
-            </a:r>
-            <a:r>
-              <a:rPr lang="en-US" dirty="0"/>
-              <a:t>.</a:t>
+              <a:t>kar</a:t>
+            </a:r>
+            <a:r>
+              <a:rPr lang="tr-TR" dirty="0" err="1"/>
+              <a:t>şı</a:t>
+            </a:r>
+            <a:r>
+              <a:rPr lang="en-US" dirty="0" err="1"/>
+              <a:t>lamal</a:t>
+            </a:r>
+            <a:r>
+              <a:rPr lang="tr-TR" dirty="0"/>
+              <a:t>ı</a:t>
+            </a:r>
+            <a:r>
+              <a:rPr lang="en-US" dirty="0"/>
+              <a:t>d</a:t>
+            </a:r>
+            <a:r>
+              <a:rPr lang="tr-TR" dirty="0"/>
+              <a:t>ı</a:t>
+            </a:r>
+            <a:r>
+              <a:rPr lang="en-US" dirty="0"/>
+              <a:t>r.</a:t>
             </a:r>
           </a:p>
           <a:p>
@@ -13456,20 +13746,24 @@
               <a:t> </a:t>
             </a:r>
             <a:r>
+              <a:rPr lang="tr-TR" dirty="0"/>
+              <a:t>ö</a:t>
+            </a:r>
+            <a:r>
               <a:rPr lang="en-US" dirty="0" err="1"/>
-              <a:t>onceki</a:t>
+              <a:t>nceki</a:t>
             </a:r>
             <a:r>
               <a:rPr lang="en-US" dirty="0"/>
               <a:t> </a:t>
             </a:r>
             <a:r>
-              <a:rPr lang="en-US" dirty="0" err="1"/>
-              <a:t>sart</a:t>
-            </a:r>
-            <a:r>
-              <a:rPr lang="en-US" dirty="0"/>
-              <a:t> </a:t>
+              <a:rPr lang="tr-TR" dirty="0"/>
+              <a:t>ş</a:t>
+            </a:r>
+            <a:r>
+              <a:rPr lang="en-US" dirty="0"/>
+              <a:t>art </a:t>
             </a:r>
             <a:r>
               <a:rPr lang="en-US" dirty="0" err="1"/>
@@ -13488,8 +13782,12 @@
               <a:t> </a:t>
             </a:r>
             <a:r>
+              <a:rPr lang="tr-TR" dirty="0"/>
+              <a:t>ş</a:t>
+            </a:r>
+            <a:r>
               <a:rPr lang="en-US" dirty="0" err="1"/>
-              <a:t>sartlar</a:t>
+              <a:t>artlar</a:t>
             </a:r>
             <a:r>
               <a:rPr lang="en-US" dirty="0"/>
@@ -15477,7 +15775,15 @@
             </a:r>
             <a:r>
               <a:rPr lang="en-US" dirty="0" err="1"/>
-              <a:t>anlasilabilir</a:t>
+              <a:t>anla</a:t>
+            </a:r>
+            <a:r>
+              <a:rPr lang="tr-TR" dirty="0" err="1"/>
+              <a:t>şı</a:t>
+            </a:r>
+            <a:r>
+              <a:rPr lang="en-US" dirty="0" err="1"/>
+              <a:t>labilir</a:t>
             </a:r>
             <a:r>
               <a:rPr lang="en-US" dirty="0"/>
@@ -15517,7 +15823,11 @@
             </a:r>
             <a:r>
               <a:rPr lang="en-US" dirty="0" err="1"/>
-              <a:t>amacimiz</a:t>
+              <a:t>amac</a:t>
+            </a:r>
+            <a:r>
+              <a:rPr lang="tr-TR" dirty="0" err="1"/>
+              <a:t>ımız</a:t>
             </a:r>
             <a:r>
               <a:rPr lang="en-US" dirty="0"/>
@@ -15525,11 +15835,15 @@
             </a:r>
             <a:r>
               <a:rPr lang="en-US" dirty="0" err="1"/>
-              <a:t>vardir</a:t>
-            </a:r>
-            <a:r>
-              <a:rPr lang="en-US" dirty="0"/>
-              <a:t>. </a:t>
+              <a:t>vard</a:t>
+            </a:r>
+            <a:r>
+              <a:rPr lang="tr-TR" dirty="0"/>
+              <a:t>ı</a:t>
+            </a:r>
+            <a:r>
+              <a:rPr lang="en-US" dirty="0"/>
+              <a:t>r. </a:t>
             </a:r>
           </a:p>
           <a:p>
@@ -15538,7 +15852,19 @@
           <a:p>
             <a:r>
               <a:rPr lang="en-US" dirty="0"/>
-              <a:t>Eger </a:t>
+              <a:t>E</a:t>
+            </a:r>
+            <a:r>
+              <a:rPr lang="tr-TR" dirty="0"/>
+              <a:t>ğ</a:t>
+            </a:r>
+            <a:r>
+              <a:rPr lang="en-US" dirty="0" err="1"/>
+              <a:t>er</a:t>
+            </a:r>
+            <a:r>
+              <a:rPr lang="en-US" dirty="0"/>
+              <a:t> </a:t>
             </a:r>
             <a:r>
               <a:rPr lang="en-US" dirty="0" err="1"/>
@@ -15554,11 +15880,23 @@
             </a:r>
             <a:r>
               <a:rPr lang="en-US" dirty="0"/>
-              <a:t> </a:t>
+              <a:t> b</a:t>
+            </a:r>
+            <a:r>
+              <a:rPr lang="tr-TR" dirty="0"/>
+              <a:t>ü</a:t>
+            </a:r>
+            <a:r>
+              <a:rPr lang="en-US" dirty="0"/>
+              <a:t>y</a:t>
+            </a:r>
+            <a:r>
+              <a:rPr lang="tr-TR" dirty="0"/>
+              <a:t>ü</a:t>
             </a:r>
             <a:r>
               <a:rPr lang="en-US" dirty="0" err="1"/>
-              <a:t>buyurse</a:t>
+              <a:t>rse</a:t>
             </a:r>
             <a:r>
               <a:rPr lang="en-US" dirty="0"/>
@@ -15574,43 +15912,67 @@
             </a:r>
             <a:r>
               <a:rPr lang="en-US" dirty="0" err="1"/>
-              <a:t>kullancack</a:t>
-            </a:r>
-            <a:r>
-              <a:rPr lang="en-US" dirty="0"/>
-              <a:t> </a:t>
+              <a:t>kullan</a:t>
+            </a:r>
+            <a:r>
+              <a:rPr lang="tr-TR" dirty="0" err="1"/>
+              <a:t>aca</a:t>
+            </a:r>
+            <a:r>
+              <a:rPr lang="en-US" dirty="0"/>
+              <a:t>k </a:t>
             </a:r>
             <a:r>
               <a:rPr lang="en-US" dirty="0" err="1"/>
               <a:t>ola</a:t>
             </a:r>
             <a:r>
+              <a:rPr lang="tr-TR" dirty="0"/>
+              <a:t>n</a:t>
+            </a:r>
+            <a:r>
               <a:rPr lang="en-US" dirty="0"/>
               <a:t> </a:t>
             </a:r>
             <a:r>
               <a:rPr lang="en-US" dirty="0" err="1"/>
-              <a:t>kodlarin</a:t>
-            </a:r>
-            <a:r>
-              <a:rPr lang="en-US" dirty="0"/>
-              <a:t> </a:t>
+              <a:t>kodlar</a:t>
+            </a:r>
+            <a:r>
+              <a:rPr lang="tr-TR" dirty="0"/>
+              <a:t>ı</a:t>
+            </a:r>
+            <a:r>
+              <a:rPr lang="en-US" dirty="0"/>
+              <a:t>n </a:t>
             </a:r>
             <a:r>
               <a:rPr lang="en-US" dirty="0" err="1"/>
-              <a:t>miktarida</a:t>
-            </a:r>
-            <a:r>
-              <a:rPr lang="en-US" dirty="0"/>
-              <a:t> </a:t>
-            </a:r>
-            <a:r>
-              <a:rPr lang="en-US" dirty="0" err="1"/>
-              <a:t>buyur</a:t>
-            </a:r>
-            <a:r>
-              <a:rPr lang="en-US" dirty="0"/>
-              <a:t>. </a:t>
+              <a:t>miktar</a:t>
+            </a:r>
+            <a:r>
+              <a:rPr lang="tr-TR" dirty="0"/>
+              <a:t>ı</a:t>
+            </a:r>
+            <a:r>
+              <a:rPr lang="en-US" dirty="0"/>
+              <a:t>da b</a:t>
+            </a:r>
+            <a:r>
+              <a:rPr lang="tr-TR" dirty="0"/>
+              <a:t>ü</a:t>
+            </a:r>
+            <a:r>
+              <a:rPr lang="en-US" dirty="0"/>
+              <a:t>y</a:t>
+            </a:r>
+            <a:r>
+              <a:rPr lang="tr-TR" dirty="0"/>
+              <a:t>ü</a:t>
+            </a:r>
+            <a:r>
+              <a:rPr lang="en-US" dirty="0"/>
+              <a:t>r. </a:t>
             </a:r>
           </a:p>
           <a:p>
@@ -15623,6 +15985,54 @@
             </a:r>
             <a:r>
               <a:rPr lang="en-US" dirty="0"/>
+              <a:t> mod</a:t>
+            </a:r>
+            <a:r>
+              <a:rPr lang="tr-TR" dirty="0"/>
+              <a:t>ü</a:t>
+            </a:r>
+            <a:r>
+              <a:rPr lang="en-US" dirty="0" err="1"/>
+              <a:t>ler</a:t>
+            </a:r>
+            <a:r>
+              <a:rPr lang="en-US" dirty="0"/>
+              <a:t> </a:t>
+            </a:r>
+            <a:r>
+              <a:rPr lang="en-US" dirty="0" err="1"/>
+              <a:t>kod</a:t>
+            </a:r>
+            <a:r>
+              <a:rPr lang="en-US" dirty="0"/>
+              <a:t> </a:t>
+            </a:r>
+            <a:r>
+              <a:rPr lang="en-US" dirty="0" err="1"/>
+              <a:t>kullanma</a:t>
+            </a:r>
+            <a:r>
+              <a:rPr lang="en-US" dirty="0"/>
+              <a:t> </a:t>
+            </a:r>
+            <a:r>
+              <a:rPr lang="en-US" dirty="0" err="1"/>
+              <a:t>amac</a:t>
+            </a:r>
+            <a:r>
+              <a:rPr lang="tr-TR" dirty="0" err="1"/>
+              <a:t>ımı</a:t>
+            </a:r>
+            <a:r>
+              <a:rPr lang="en-US" dirty="0"/>
+              <a:t>z </a:t>
+            </a:r>
+            <a:r>
+              <a:rPr lang="en-US" dirty="0" err="1"/>
+              <a:t>varsa</a:t>
+            </a:r>
+            <a:r>
+              <a:rPr lang="en-US" dirty="0"/>
               <a:t> </a:t>
             </a:r>
             <a:r>
@@ -15631,59 +16041,15 @@
             </a:r>
             <a:r>
               <a:rPr lang="en-US" dirty="0"/>
-              <a:t> </a:t>
+              <a:t> mod</a:t>
+            </a:r>
+            <a:r>
+              <a:rPr lang="tr-TR" dirty="0"/>
+              <a:t>ü</a:t>
             </a:r>
             <a:r>
               <a:rPr lang="en-US" dirty="0" err="1"/>
-              <a:t>moduler</a:t>
-            </a:r>
-            <a:r>
-              <a:rPr lang="en-US" dirty="0"/>
-              <a:t> </a:t>
-            </a:r>
-            <a:r>
-              <a:rPr lang="en-US" dirty="0" err="1"/>
-              <a:t>kod</a:t>
-            </a:r>
-            <a:r>
-              <a:rPr lang="en-US" dirty="0"/>
-              <a:t> </a:t>
-            </a:r>
-            <a:r>
-              <a:rPr lang="en-US" dirty="0" err="1"/>
-              <a:t>kullanma</a:t>
-            </a:r>
-            <a:r>
-              <a:rPr lang="en-US" dirty="0"/>
-              <a:t> </a:t>
-            </a:r>
-            <a:r>
-              <a:rPr lang="en-US" dirty="0" err="1"/>
-              <a:t>amaciniz</a:t>
-            </a:r>
-            <a:r>
-              <a:rPr lang="en-US" dirty="0"/>
-              <a:t> </a:t>
-            </a:r>
-            <a:r>
-              <a:rPr lang="en-US" dirty="0" err="1"/>
-              <a:t>varsa</a:t>
-            </a:r>
-            <a:r>
-              <a:rPr lang="en-US" dirty="0"/>
-              <a:t> </a:t>
-            </a:r>
-            <a:r>
-              <a:rPr lang="en-US" dirty="0" err="1"/>
-              <a:t>bu</a:t>
-            </a:r>
-            <a:r>
-              <a:rPr lang="en-US" dirty="0"/>
-              <a:t> </a:t>
-            </a:r>
-            <a:r>
-              <a:rPr lang="en-US" dirty="0" err="1"/>
-              <a:t>moduller</a:t>
+              <a:t>ller</a:t>
             </a:r>
             <a:r>
               <a:rPr lang="en-US" dirty="0"/>
@@ -15715,28 +16081,41 @@
             </a:r>
             <a:r>
               <a:rPr lang="en-US" dirty="0" err="1"/>
-              <a:t>bagli</a:t>
+              <a:t>ba</a:t>
+            </a:r>
+            <a:r>
+              <a:rPr lang="tr-TR" dirty="0" err="1"/>
+              <a:t>ğımlı</a:t>
             </a:r>
             <a:r>
               <a:rPr lang="en-US" dirty="0"/>
               <a:t> </a:t>
             </a:r>
             <a:r>
+              <a:rPr lang="tr-TR" dirty="0"/>
+              <a:t>hale gelecektir.</a:t>
+            </a:r>
+            <a:endParaRPr lang="en-US" dirty="0"/>
+          </a:p>
+          <a:p>
+            <a:endParaRPr lang="en-US" dirty="0"/>
+          </a:p>
+          <a:p>
+            <a:r>
+              <a:rPr lang="en-US" dirty="0"/>
+              <a:t>E</a:t>
+            </a:r>
+            <a:r>
+              <a:rPr lang="tr-TR" dirty="0"/>
+              <a:t>ğ</a:t>
+            </a:r>
+            <a:r>
               <a:rPr lang="en-US" dirty="0" err="1"/>
-              <a:t>olacaktir</a:t>
-            </a:r>
-            <a:r>
-              <a:rPr lang="en-US" dirty="0"/>
-              <a:t>. </a:t>
-            </a:r>
-          </a:p>
-          <a:p>
-            <a:endParaRPr lang="en-US" dirty="0"/>
-          </a:p>
-          <a:p>
-            <a:r>
-              <a:rPr lang="en-US" dirty="0"/>
-              <a:t>Eger </a:t>
+              <a:t>er</a:t>
+            </a:r>
+            <a:r>
+              <a:rPr lang="en-US" dirty="0"/>
+              <a:t> </a:t>
             </a:r>
             <a:r>
               <a:rPr lang="en-US" dirty="0" err="1"/>
@@ -15748,7 +16127,15 @@
             </a:r>
             <a:r>
               <a:rPr lang="en-US" dirty="0" err="1"/>
-              <a:t>degisiklik</a:t>
+              <a:t>degi</a:t>
+            </a:r>
+            <a:r>
+              <a:rPr lang="tr-TR" dirty="0"/>
+              <a:t>ş</a:t>
+            </a:r>
+            <a:r>
+              <a:rPr lang="en-US" dirty="0" err="1"/>
+              <a:t>iklik</a:t>
             </a:r>
             <a:r>
               <a:rPr lang="en-US" dirty="0"/>
@@ -15764,19 +16151,43 @@
             </a:r>
             <a:r>
               <a:rPr lang="en-US" dirty="0" err="1"/>
-              <a:t>kalktigimizda</a:t>
-            </a:r>
-            <a:r>
-              <a:rPr lang="en-US" dirty="0"/>
-              <a:t> </a:t>
+              <a:t>kalkt</a:t>
+            </a:r>
+            <a:r>
+              <a:rPr lang="tr-TR" dirty="0"/>
+              <a:t>ı</a:t>
+            </a:r>
+            <a:r>
+              <a:rPr lang="en-US" dirty="0"/>
+              <a:t>g</a:t>
+            </a:r>
+            <a:r>
+              <a:rPr lang="tr-TR" dirty="0"/>
+              <a:t>ı</a:t>
+            </a:r>
+            <a:r>
+              <a:rPr lang="en-US" dirty="0"/>
+              <a:t>m</a:t>
+            </a:r>
+            <a:r>
+              <a:rPr lang="tr-TR" dirty="0"/>
+              <a:t>ı</a:t>
             </a:r>
             <a:r>
               <a:rPr lang="en-US" dirty="0" err="1"/>
-              <a:t>programin</a:t>
-            </a:r>
-            <a:r>
-              <a:rPr lang="en-US" dirty="0"/>
-              <a:t> </a:t>
+              <a:t>zda</a:t>
+            </a:r>
+            <a:r>
+              <a:rPr lang="en-US" dirty="0"/>
+              <a:t> program</a:t>
+            </a:r>
+            <a:r>
+              <a:rPr lang="tr-TR" dirty="0"/>
+              <a:t>ı</a:t>
+            </a:r>
+            <a:r>
+              <a:rPr lang="en-US" dirty="0"/>
+              <a:t>n </a:t>
             </a:r>
             <a:r>
               <a:rPr lang="en-US" dirty="0" err="1"/>
@@ -15788,19 +16199,27 @@
             </a:r>
             <a:r>
               <a:rPr lang="en-US" dirty="0" err="1"/>
-              <a:t>oranimizda</a:t>
-            </a:r>
-            <a:r>
-              <a:rPr lang="en-US" dirty="0"/>
-              <a:t> </a:t>
+              <a:t>oran</a:t>
+            </a:r>
+            <a:r>
+              <a:rPr lang="tr-TR" dirty="0"/>
+              <a:t>ı</a:t>
+            </a:r>
+            <a:r>
+              <a:rPr lang="en-US" dirty="0"/>
+              <a:t>da </a:t>
             </a:r>
             <a:r>
               <a:rPr lang="en-US" dirty="0" err="1"/>
-              <a:t>artacaktir</a:t>
-            </a:r>
-            <a:r>
-              <a:rPr lang="en-US" dirty="0"/>
-              <a:t>.</a:t>
+              <a:t>artacakt</a:t>
+            </a:r>
+            <a:r>
+              <a:rPr lang="tr-TR" dirty="0"/>
+              <a:t>ı</a:t>
+            </a:r>
+            <a:r>
+              <a:rPr lang="en-US" dirty="0"/>
+              <a:t>r.</a:t>
             </a:r>
           </a:p>
         </p:txBody>
